--- a/04.dubbo_demo/document/dubbo源码分析1-refreence bean创建.pptx
+++ b/04.dubbo_demo/document/dubbo源码分析1-refreence bean创建.pptx
@@ -3614,7 +3614,30 @@
             </a:r>
             <a:r>
               <a:rPr lang="zh-CN" altLang="en-US" dirty="0" smtClean="0"/>
-              <a:t>源码学习</a:t>
+              <a:t>源码</a:t>
+            </a:r>
+            <a:r>
+              <a:rPr lang="zh-CN" altLang="en-US" dirty="0" smtClean="0"/>
+              <a:t>学习</a:t>
+            </a:r>
+            <a:r>
+              <a:rPr lang="en-US" altLang="zh-CN" dirty="0"/>
+              <a:t>1</a:t>
+            </a:r>
+            <a:br>
+              <a:rPr lang="en-US" altLang="zh-CN" dirty="0"/>
+            </a:br>
+            <a:r>
+              <a:rPr lang="en-US" altLang="zh-CN" dirty="0" err="1"/>
+              <a:t>refreence</a:t>
+            </a:r>
+            <a:r>
+              <a:rPr lang="en-US" altLang="zh-CN" dirty="0"/>
+              <a:t> bean</a:t>
+            </a:r>
+            <a:r>
+              <a:rPr lang="zh-CN" altLang="en-US" dirty="0"/>
+              <a:t>创建</a:t>
             </a:r>
             <a:endParaRPr lang="zh-CN" altLang="en-US" dirty="0"/>
           </a:p>
@@ -3649,7 +3672,15 @@
                   <a:srgbClr val="FF9900"/>
                 </a:solidFill>
               </a:rPr>
-              <a:t> 20120902</a:t>
+              <a:t> </a:t>
+            </a:r>
+            <a:r>
+              <a:rPr lang="en-US" altLang="zh-CN" dirty="0" smtClean="0">
+                <a:solidFill>
+                  <a:srgbClr val="FF9900"/>
+                </a:solidFill>
+              </a:rPr>
+              <a:t>20120903</a:t>
             </a:r>
             <a:endParaRPr lang="zh-CN" altLang="en-US" dirty="0">
               <a:solidFill>
@@ -6716,7 +6747,6 @@
               <a:rPr lang="zh-CN" altLang="en-US" dirty="0"/>
               <a:t>小写</a:t>
             </a:r>
-            <a:endParaRPr lang="zh-CN" altLang="en-US" dirty="0"/>
           </a:p>
         </p:txBody>
       </p:sp>
@@ -9695,11 +9725,7 @@
             </a:r>
             <a:r>
               <a:rPr lang="zh-CN" altLang="en-US" sz="2400" dirty="0" smtClean="0"/>
-              <a:t>的</a:t>
-            </a:r>
-            <a:r>
-              <a:rPr lang="zh-CN" altLang="en-US" sz="2400" dirty="0" smtClean="0"/>
-              <a:t>实例调用其</a:t>
+              <a:t>的实例调用其</a:t>
             </a:r>
             <a:r>
               <a:rPr lang="en-US" altLang="zh-CN" sz="2400" dirty="0" err="1" smtClean="0"/>
